--- a/Async-JavaScript-with-Reactive-Extensions.pptx
+++ b/Async-JavaScript-with-Reactive-Extensions.pptx
@@ -11458,13 +11458,8 @@
             </a:br>
             <a:r>
               <a:rPr lang="en-US" dirty="0"/>
-              <a:t>Reactive </a:t>
-            </a:r>
-            <a:r>
-              <a:rPr lang="en-US" dirty="0" err="1"/>
-              <a:t>Extesions</a:t>
-            </a:r>
-            <a:endParaRPr lang="en-US" dirty="0"/>
+              <a:t>Reactive Extensions</a:t>
+            </a:r>
           </a:p>
         </p:txBody>
       </p:sp>
